--- a/S6 - Image Recognition y Reinforcement Learning/Slides/S6 - IM_RL_vEsp.pptx
+++ b/S6 - Image Recognition y Reinforcement Learning/Slides/S6 - IM_RL_vEsp.pptx
@@ -32,14 +32,14 @@
   <p:notesSz cx="6858000" cy="9144000"/>
   <p:embeddedFontLst>
     <p:embeddedFont>
-      <p:font typeface="Roboto" panose="020B0604020202020204" charset="0"/>
+      <p:font typeface="Calibri" panose="020F0502020204030204" pitchFamily="34" charset="0"/>
       <p:regular r:id="rId22"/>
       <p:bold r:id="rId23"/>
       <p:italic r:id="rId24"/>
       <p:boldItalic r:id="rId25"/>
     </p:embeddedFont>
     <p:embeddedFont>
-      <p:font typeface="Calibri" panose="020F0502020204030204" pitchFamily="34" charset="0"/>
+      <p:font typeface="Roboto" panose="020B0604020202020204" charset="0"/>
       <p:regular r:id="rId26"/>
       <p:bold r:id="rId27"/>
       <p:italic r:id="rId28"/>
@@ -291,7 +291,7 @@
       </p15:sldGuideLst>
     </p:ext>
     <p:ext uri="http://customooxmlschemas.google.com/">
-      <go:slidesCustomData xmlns:go="http://customooxmlschemas.google.com/" xmlns:ahyp="http://schemas.microsoft.com/office/drawing/2018/hyperlinkcolor" xmlns:p15="http://schemas.microsoft.com/office/powerpoint/2012/main" xmlns:p14="http://schemas.microsoft.com/office/powerpoint/2010/main" xmlns:com="http://schemas.openxmlformats.org/drawingml/2006/compatibility" xmlns:pvml="urn:schemas-microsoft-com:office:powerpoint" xmlns:v="urn:schemas-microsoft-com:vml" xmlns:o="urn:schemas-microsoft-com:office:office" xmlns:dgm="http://schemas.openxmlformats.org/drawingml/2006/diagram" xmlns:c="http://schemas.openxmlformats.org/drawingml/2006/chart" xmlns:mv="urn:schemas-microsoft-com:mac:vml" xmlns:mc="http://schemas.openxmlformats.org/markup-compatibility/2006" xmlns="" r:id="rId36" roundtripDataSignature="AMtx7mi+D8+a4BrEKaNVrR8Co+e3nneLRg=="/>
+      <go:slidesCustomData xmlns="" xmlns:mc="http://schemas.openxmlformats.org/markup-compatibility/2006" xmlns:mv="urn:schemas-microsoft-com:mac:vml" xmlns:c="http://schemas.openxmlformats.org/drawingml/2006/chart" xmlns:dgm="http://schemas.openxmlformats.org/drawingml/2006/diagram" xmlns:o="urn:schemas-microsoft-com:office:office" xmlns:v="urn:schemas-microsoft-com:vml" xmlns:pvml="urn:schemas-microsoft-com:office:powerpoint" xmlns:com="http://schemas.openxmlformats.org/drawingml/2006/compatibility" xmlns:p14="http://schemas.microsoft.com/office/powerpoint/2010/main" xmlns:p15="http://schemas.microsoft.com/office/powerpoint/2012/main" xmlns:ahyp="http://schemas.microsoft.com/office/drawing/2018/hyperlinkcolor" xmlns:go="http://customooxmlschemas.google.com/" r:id="rId36" roundtripDataSignature="AMtx7mi+D8+a4BrEKaNVrR8Co+e3nneLRg=="/>
     </p:ext>
   </p:extLst>
 </p:presentation>
@@ -11084,7 +11084,7 @@
           <a:p>
             <a:fld id="{7FAB1C2F-660B-4FB2-9EDA-38B91744BDF7}" type="datetimeFigureOut">
               <a:rPr lang="es-ES" smtClean="0"/>
-              <a:t>16/12/2022</a:t>
+              <a:t>19/12/2022</a:t>
             </a:fld>
             <a:endParaRPr lang="es-ES"/>
           </a:p>
@@ -13884,7 +13884,7 @@
                 <a:hlinkClick r:id="rId3">
                   <a:extLst>
                     <a:ext uri="{A12FA001-AC4F-418D-AE19-62706E023703}">
-                      <ahyp:hlinkClr xmlns:ahyp="http://schemas.microsoft.com/office/drawing/2018/hyperlinkcolor" xmlns:p15="http://schemas.microsoft.com/office/powerpoint/2012/main" xmlns:p14="http://schemas.microsoft.com/office/powerpoint/2010/main" xmlns:com="http://schemas.openxmlformats.org/drawingml/2006/compatibility" xmlns:pvml="urn:schemas-microsoft-com:office:powerpoint" xmlns:v="urn:schemas-microsoft-com:vml" xmlns:o="urn:schemas-microsoft-com:office:office" xmlns:dgm="http://schemas.openxmlformats.org/drawingml/2006/diagram" xmlns:c="http://schemas.openxmlformats.org/drawingml/2006/chart" xmlns:mv="urn:schemas-microsoft-com:mac:vml" xmlns:mc="http://schemas.openxmlformats.org/markup-compatibility/2006" xmlns="" val="tx"/>
+                      <ahyp:hlinkClr xmlns="" xmlns:mc="http://schemas.openxmlformats.org/markup-compatibility/2006" xmlns:mv="urn:schemas-microsoft-com:mac:vml" xmlns:c="http://schemas.openxmlformats.org/drawingml/2006/chart" xmlns:dgm="http://schemas.openxmlformats.org/drawingml/2006/diagram" xmlns:o="urn:schemas-microsoft-com:office:office" xmlns:v="urn:schemas-microsoft-com:vml" xmlns:pvml="urn:schemas-microsoft-com:office:powerpoint" xmlns:com="http://schemas.openxmlformats.org/drawingml/2006/compatibility" xmlns:p14="http://schemas.microsoft.com/office/powerpoint/2010/main" xmlns:p15="http://schemas.microsoft.com/office/powerpoint/2012/main" xmlns:ahyp="http://schemas.microsoft.com/office/drawing/2018/hyperlinkcolor" val="tx"/>
                     </a:ext>
                   </a:extLst>
                 </a:hlinkClick>
@@ -15235,7 +15235,6 @@
               <a:rPr lang="es-ES" sz="1600" dirty="0"/>
               <a:t>En el aprendizaje por refuerzo, un agente recibe información en forma de recompensas o castigos en función de sus acciones. El objetivo del agente es aprender una política que maximice la recompensa acumulada a lo largo del tiempo. En este proceso, el agente realiza acciones, recibe retroalimentación en forma de recompensas o castigos y actualiza su modelo interno del entorno basándose en esta retroalimentación.</a:t>
             </a:r>
-            <a:endParaRPr lang="es-ES" sz="1600" dirty="0"/>
           </a:p>
         </p:txBody>
       </p:sp>
@@ -15744,16 +15743,7 @@
                 <a:cs typeface="Calibri"/>
                 <a:sym typeface="Calibri"/>
               </a:rPr>
-              <a:t>Reinforcement Learning </a:t>
-            </a:r>
-            <a:r>
-              <a:rPr lang="en-US" sz="2800" b="1" dirty="0" smtClean="0">
-                <a:latin typeface="Calibri"/>
-                <a:ea typeface="Calibri"/>
-                <a:cs typeface="Calibri"/>
-                <a:sym typeface="Calibri"/>
-              </a:rPr>
-              <a:t>applications</a:t>
+              <a:t>Reinforcement Learning applications</a:t>
             </a:r>
             <a:endParaRPr lang="en-US" dirty="0"/>
           </a:p>
@@ -17691,7 +17681,7 @@
                 <a:hlinkClick r:id="rId4">
                   <a:extLst>
                     <a:ext uri="{A12FA001-AC4F-418D-AE19-62706E023703}">
-                      <ahyp:hlinkClr xmlns:ahyp="http://schemas.microsoft.com/office/drawing/2018/hyperlinkcolor" xmlns:p15="http://schemas.microsoft.com/office/powerpoint/2012/main" xmlns:p14="http://schemas.microsoft.com/office/powerpoint/2010/main" xmlns:com="http://schemas.openxmlformats.org/drawingml/2006/compatibility" xmlns:pvml="urn:schemas-microsoft-com:office:powerpoint" xmlns:v="urn:schemas-microsoft-com:vml" xmlns:o="urn:schemas-microsoft-com:office:office" xmlns:dgm="http://schemas.openxmlformats.org/drawingml/2006/diagram" xmlns:c="http://schemas.openxmlformats.org/drawingml/2006/chart" xmlns:mv="urn:schemas-microsoft-com:mac:vml" xmlns:mc="http://schemas.openxmlformats.org/markup-compatibility/2006" xmlns="" val="tx"/>
+                      <ahyp:hlinkClr xmlns="" xmlns:mc="http://schemas.openxmlformats.org/markup-compatibility/2006" xmlns:mv="urn:schemas-microsoft-com:mac:vml" xmlns:c="http://schemas.openxmlformats.org/drawingml/2006/chart" xmlns:dgm="http://schemas.openxmlformats.org/drawingml/2006/diagram" xmlns:o="urn:schemas-microsoft-com:office:office" xmlns:v="urn:schemas-microsoft-com:vml" xmlns:pvml="urn:schemas-microsoft-com:office:powerpoint" xmlns:com="http://schemas.openxmlformats.org/drawingml/2006/compatibility" xmlns:p14="http://schemas.microsoft.com/office/powerpoint/2010/main" xmlns:p15="http://schemas.microsoft.com/office/powerpoint/2012/main" xmlns:ahyp="http://schemas.microsoft.com/office/drawing/2018/hyperlinkcolor" val="tx"/>
                     </a:ext>
                   </a:extLst>
                 </a:hlinkClick>
@@ -18334,7 +18324,7 @@
                 <a:hlinkClick r:id="rId4">
                   <a:extLst>
                     <a:ext uri="{A12FA001-AC4F-418D-AE19-62706E023703}">
-                      <ahyp:hlinkClr xmlns:ahyp="http://schemas.microsoft.com/office/drawing/2018/hyperlinkcolor" xmlns:p15="http://schemas.microsoft.com/office/powerpoint/2012/main" xmlns:p14="http://schemas.microsoft.com/office/powerpoint/2010/main" xmlns:com="http://schemas.openxmlformats.org/drawingml/2006/compatibility" xmlns:pvml="urn:schemas-microsoft-com:office:powerpoint" xmlns:v="urn:schemas-microsoft-com:vml" xmlns:o="urn:schemas-microsoft-com:office:office" xmlns:dgm="http://schemas.openxmlformats.org/drawingml/2006/diagram" xmlns:c="http://schemas.openxmlformats.org/drawingml/2006/chart" xmlns:mv="urn:schemas-microsoft-com:mac:vml" xmlns:mc="http://schemas.openxmlformats.org/markup-compatibility/2006" xmlns="" val="tx"/>
+                      <ahyp:hlinkClr xmlns="" xmlns:mc="http://schemas.openxmlformats.org/markup-compatibility/2006" xmlns:mv="urn:schemas-microsoft-com:mac:vml" xmlns:c="http://schemas.openxmlformats.org/drawingml/2006/chart" xmlns:dgm="http://schemas.openxmlformats.org/drawingml/2006/diagram" xmlns:o="urn:schemas-microsoft-com:office:office" xmlns:v="urn:schemas-microsoft-com:vml" xmlns:pvml="urn:schemas-microsoft-com:office:powerpoint" xmlns:com="http://schemas.openxmlformats.org/drawingml/2006/compatibility" xmlns:p14="http://schemas.microsoft.com/office/powerpoint/2010/main" xmlns:p15="http://schemas.microsoft.com/office/powerpoint/2012/main" xmlns:ahyp="http://schemas.microsoft.com/office/drawing/2018/hyperlinkcolor" val="tx"/>
                     </a:ext>
                   </a:extLst>
                 </a:hlinkClick>
@@ -18469,7 +18459,7 @@
                 <a:hlinkClick r:id="rId5">
                   <a:extLst>
                     <a:ext uri="{A12FA001-AC4F-418D-AE19-62706E023703}">
-                      <ahyp:hlinkClr xmlns:ahyp="http://schemas.microsoft.com/office/drawing/2018/hyperlinkcolor" xmlns:p15="http://schemas.microsoft.com/office/powerpoint/2012/main" xmlns:p14="http://schemas.microsoft.com/office/powerpoint/2010/main" xmlns:com="http://schemas.openxmlformats.org/drawingml/2006/compatibility" xmlns:pvml="urn:schemas-microsoft-com:office:powerpoint" xmlns:v="urn:schemas-microsoft-com:vml" xmlns:o="urn:schemas-microsoft-com:office:office" xmlns:dgm="http://schemas.openxmlformats.org/drawingml/2006/diagram" xmlns:c="http://schemas.openxmlformats.org/drawingml/2006/chart" xmlns:mv="urn:schemas-microsoft-com:mac:vml" xmlns:mc="http://schemas.openxmlformats.org/markup-compatibility/2006" xmlns="" val="tx"/>
+                      <ahyp:hlinkClr xmlns="" xmlns:mc="http://schemas.openxmlformats.org/markup-compatibility/2006" xmlns:mv="urn:schemas-microsoft-com:mac:vml" xmlns:c="http://schemas.openxmlformats.org/drawingml/2006/chart" xmlns:dgm="http://schemas.openxmlformats.org/drawingml/2006/diagram" xmlns:o="urn:schemas-microsoft-com:office:office" xmlns:v="urn:schemas-microsoft-com:vml" xmlns:pvml="urn:schemas-microsoft-com:office:powerpoint" xmlns:com="http://schemas.openxmlformats.org/drawingml/2006/compatibility" xmlns:p14="http://schemas.microsoft.com/office/powerpoint/2010/main" xmlns:p15="http://schemas.microsoft.com/office/powerpoint/2012/main" xmlns:ahyp="http://schemas.microsoft.com/office/drawing/2018/hyperlinkcolor" val="tx"/>
                     </a:ext>
                   </a:extLst>
                 </a:hlinkClick>
@@ -22668,7 +22658,6 @@
               <a:rPr lang="es-ES" dirty="0" smtClean="0"/>
               <a:t>Conocer aplicaciones de reconocimiento de imágenes</a:t>
             </a:r>
-            <a:endParaRPr lang="es-ES" dirty="0" smtClean="0"/>
           </a:p>
           <a:p>
             <a:pPr marL="457200" lvl="0" indent="-342900" algn="just" rtl="0">
@@ -23043,7 +23032,6 @@
               <a:rPr lang="es-ES" sz="2000" dirty="0" smtClean="0"/>
               <a:t> visión</a:t>
             </a:r>
-            <a:endParaRPr lang="es-ES" sz="2000" dirty="0" smtClean="0"/>
           </a:p>
           <a:p>
             <a:pPr marL="228593" lvl="0" indent="-228592" algn="l" rtl="0">
@@ -23137,7 +23125,6 @@
               <a:rPr lang="es-ES" sz="2000" dirty="0" smtClean="0"/>
               <a:t>Ejemplo práctico</a:t>
             </a:r>
-            <a:endParaRPr lang="es-ES" sz="2000" dirty="0" smtClean="0"/>
           </a:p>
         </p:txBody>
       </p:sp>
